--- a/1 - Отгадки. Git.pptx
+++ b/1 - Отгадки. Git.pptx
@@ -246,7 +246,7 @@
           <a:p>
             <a:fld id="{07EA6096-CDF3-4A83-8535-8828B1784732}" type="datetimeFigureOut">
               <a:rPr lang="ru-RU" smtClean="0"/>
-              <a:t>06.02.2018</a:t>
+              <a:t>09.02.2018</a:t>
             </a:fld>
             <a:endParaRPr lang="ru-RU"/>
           </a:p>
@@ -695,7 +695,7 @@
           <a:p>
             <a:fld id="{823F8698-BFA9-48A1-B66A-4B3AB50F31C3}" type="datetimeFigureOut">
               <a:rPr lang="ru-RU" smtClean="0"/>
-              <a:t>06.02.2018</a:t>
+              <a:t>09.02.2018</a:t>
             </a:fld>
             <a:endParaRPr lang="ru-RU"/>
           </a:p>
@@ -865,7 +865,7 @@
           <a:p>
             <a:fld id="{823F8698-BFA9-48A1-B66A-4B3AB50F31C3}" type="datetimeFigureOut">
               <a:rPr lang="ru-RU" smtClean="0"/>
-              <a:t>06.02.2018</a:t>
+              <a:t>09.02.2018</a:t>
             </a:fld>
             <a:endParaRPr lang="ru-RU"/>
           </a:p>
@@ -1045,7 +1045,7 @@
           <a:p>
             <a:fld id="{823F8698-BFA9-48A1-B66A-4B3AB50F31C3}" type="datetimeFigureOut">
               <a:rPr lang="ru-RU" smtClean="0"/>
-              <a:t>06.02.2018</a:t>
+              <a:t>09.02.2018</a:t>
             </a:fld>
             <a:endParaRPr lang="ru-RU"/>
           </a:p>
@@ -1215,7 +1215,7 @@
           <a:p>
             <a:fld id="{823F8698-BFA9-48A1-B66A-4B3AB50F31C3}" type="datetimeFigureOut">
               <a:rPr lang="ru-RU" smtClean="0"/>
-              <a:t>06.02.2018</a:t>
+              <a:t>09.02.2018</a:t>
             </a:fld>
             <a:endParaRPr lang="ru-RU"/>
           </a:p>
@@ -1461,7 +1461,7 @@
           <a:p>
             <a:fld id="{823F8698-BFA9-48A1-B66A-4B3AB50F31C3}" type="datetimeFigureOut">
               <a:rPr lang="ru-RU" smtClean="0"/>
-              <a:t>06.02.2018</a:t>
+              <a:t>09.02.2018</a:t>
             </a:fld>
             <a:endParaRPr lang="ru-RU"/>
           </a:p>
@@ -1749,7 +1749,7 @@
           <a:p>
             <a:fld id="{823F8698-BFA9-48A1-B66A-4B3AB50F31C3}" type="datetimeFigureOut">
               <a:rPr lang="ru-RU" smtClean="0"/>
-              <a:t>06.02.2018</a:t>
+              <a:t>09.02.2018</a:t>
             </a:fld>
             <a:endParaRPr lang="ru-RU"/>
           </a:p>
@@ -2171,7 +2171,7 @@
           <a:p>
             <a:fld id="{823F8698-BFA9-48A1-B66A-4B3AB50F31C3}" type="datetimeFigureOut">
               <a:rPr lang="ru-RU" smtClean="0"/>
-              <a:t>06.02.2018</a:t>
+              <a:t>09.02.2018</a:t>
             </a:fld>
             <a:endParaRPr lang="ru-RU"/>
           </a:p>
@@ -2289,7 +2289,7 @@
           <a:p>
             <a:fld id="{823F8698-BFA9-48A1-B66A-4B3AB50F31C3}" type="datetimeFigureOut">
               <a:rPr lang="ru-RU" smtClean="0"/>
-              <a:t>06.02.2018</a:t>
+              <a:t>09.02.2018</a:t>
             </a:fld>
             <a:endParaRPr lang="ru-RU"/>
           </a:p>
@@ -2384,7 +2384,7 @@
           <a:p>
             <a:fld id="{823F8698-BFA9-48A1-B66A-4B3AB50F31C3}" type="datetimeFigureOut">
               <a:rPr lang="ru-RU" smtClean="0"/>
-              <a:t>06.02.2018</a:t>
+              <a:t>09.02.2018</a:t>
             </a:fld>
             <a:endParaRPr lang="ru-RU"/>
           </a:p>
@@ -2661,7 +2661,7 @@
           <a:p>
             <a:fld id="{823F8698-BFA9-48A1-B66A-4B3AB50F31C3}" type="datetimeFigureOut">
               <a:rPr lang="ru-RU" smtClean="0"/>
-              <a:t>06.02.2018</a:t>
+              <a:t>09.02.2018</a:t>
             </a:fld>
             <a:endParaRPr lang="ru-RU"/>
           </a:p>
@@ -2914,7 +2914,7 @@
           <a:p>
             <a:fld id="{823F8698-BFA9-48A1-B66A-4B3AB50F31C3}" type="datetimeFigureOut">
               <a:rPr lang="ru-RU" smtClean="0"/>
-              <a:t>06.02.2018</a:t>
+              <a:t>09.02.2018</a:t>
             </a:fld>
             <a:endParaRPr lang="ru-RU"/>
           </a:p>
@@ -3127,7 +3127,7 @@
           <a:p>
             <a:fld id="{823F8698-BFA9-48A1-B66A-4B3AB50F31C3}" type="datetimeFigureOut">
               <a:rPr lang="ru-RU" smtClean="0"/>
-              <a:t>06.02.2018</a:t>
+              <a:t>09.02.2018</a:t>
             </a:fld>
             <a:endParaRPr lang="ru-RU"/>
           </a:p>
@@ -4752,39 +4752,7 @@
                   <a:schemeClr val="tx1"/>
                 </a:solidFill>
               </a:rPr>
-              <a:t>ОСРВ </a:t>
-            </a:r>
-            <a:r>
-              <a:rPr lang="ru-RU" sz="2400" dirty="0" smtClean="0">
-                <a:solidFill>
-                  <a:schemeClr val="tx1"/>
-                </a:solidFill>
-              </a:rPr>
-              <a:t>(</a:t>
-            </a:r>
-            <a:r>
-              <a:rPr lang="ru-RU" sz="2400" dirty="0" smtClean="0">
-                <a:solidFill>
-                  <a:schemeClr val="tx1"/>
-                </a:solidFill>
-              </a:rPr>
-              <a:t>операционные </a:t>
-            </a:r>
-            <a:r>
-              <a:rPr lang="ru-RU" sz="2400" dirty="0" smtClean="0">
-                <a:solidFill>
-                  <a:schemeClr val="tx1"/>
-                </a:solidFill>
-              </a:rPr>
-              <a:t>системы реального времени</a:t>
-            </a:r>
-            <a:r>
-              <a:rPr lang="ru-RU" sz="2400" dirty="0" smtClean="0">
-                <a:solidFill>
-                  <a:schemeClr val="tx1"/>
-                </a:solidFill>
-              </a:rPr>
-              <a:t>).</a:t>
+              <a:t>ОСРВ (операционные системы реального времени).</a:t>
             </a:r>
           </a:p>
           <a:p>
@@ -9241,13 +9209,8 @@
             </a:pPr>
             <a:r>
               <a:rPr lang="ru-RU" sz="2000" dirty="0" smtClean="0"/>
-              <a:t>Смириться и </a:t>
-            </a:r>
-            <a:r>
-              <a:rPr lang="ru-RU" sz="2000" dirty="0" smtClean="0"/>
-              <a:t>страдать.</a:t>
-            </a:r>
-            <a:endParaRPr lang="ru-RU" sz="2000" dirty="0" smtClean="0"/>
+              <a:t>Смириться и страдать.</a:t>
+            </a:r>
           </a:p>
           <a:p>
             <a:pPr marL="457200" indent="-457200">
@@ -9295,13 +9258,8 @@
             </a:pPr>
             <a:r>
               <a:rPr lang="ru-RU" sz="2000" dirty="0" smtClean="0"/>
-              <a:t>Архивы с </a:t>
-            </a:r>
-            <a:r>
-              <a:rPr lang="ru-RU" sz="2000" dirty="0" smtClean="0"/>
-              <a:t>датами.</a:t>
-            </a:r>
-            <a:endParaRPr lang="ru-RU" sz="2000" dirty="0" smtClean="0"/>
+              <a:t>Архивы с датами.</a:t>
+            </a:r>
           </a:p>
           <a:p>
             <a:pPr marL="457200" indent="-457200">
@@ -9332,7 +9290,6 @@
               <a:rPr lang="ru-RU" sz="2000" dirty="0" smtClean="0"/>
               <a:t>.</a:t>
             </a:r>
-            <a:endParaRPr lang="ru-RU" sz="2000" dirty="0" smtClean="0"/>
           </a:p>
           <a:p>
             <a:pPr marL="457200" indent="-457200">
@@ -9341,11 +9298,7 @@
             </a:pPr>
             <a:r>
               <a:rPr lang="ru-RU" sz="2000" dirty="0" smtClean="0"/>
-              <a:t>Системы контроля </a:t>
-            </a:r>
-            <a:r>
-              <a:rPr lang="ru-RU" sz="2000" dirty="0" smtClean="0"/>
-              <a:t>версий.</a:t>
+              <a:t>Системы контроля версий.</a:t>
             </a:r>
             <a:endParaRPr lang="ru-RU" sz="2000" dirty="0"/>
           </a:p>
@@ -10616,15 +10569,7 @@
           <a:p>
             <a:r>
               <a:rPr lang="ru-RU" sz="2800" dirty="0" smtClean="0"/>
-              <a:t>«Выбор профессиональных </a:t>
-            </a:r>
-            <a:r>
-              <a:rPr lang="ru-RU" sz="2800" dirty="0" smtClean="0"/>
-              <a:t>разработчиков» </a:t>
-            </a:r>
-            <a:r>
-              <a:rPr lang="ru-RU" sz="2800" dirty="0" smtClean="0"/>
-              <a:t>по результатам опроса на </a:t>
+              <a:t>«Выбор профессиональных разработчиков» по результатам опроса на </a:t>
             </a:r>
             <a:r>
               <a:rPr lang="en-US" sz="2800" dirty="0" err="1" smtClean="0"/>
@@ -10985,11 +10930,7 @@
           <a:p>
             <a:r>
               <a:rPr lang="ru-RU" sz="2400" dirty="0" smtClean="0"/>
-              <a:t>работа в </a:t>
-            </a:r>
-            <a:r>
-              <a:rPr lang="ru-RU" sz="2400" dirty="0" smtClean="0"/>
-              <a:t>команде</a:t>
+              <a:t>работа в команде</a:t>
             </a:r>
             <a:endParaRPr lang="en-US" sz="2400" dirty="0" smtClean="0"/>
           </a:p>
@@ -10998,7 +10939,6 @@
               <a:rPr lang="ru-RU" sz="2400" dirty="0" smtClean="0"/>
               <a:t>работа с разных устройств</a:t>
             </a:r>
-            <a:endParaRPr lang="ru-RU" sz="2400" dirty="0" smtClean="0"/>
           </a:p>
           <a:p>
             <a:r>
@@ -11434,11 +11374,7 @@
             </a:r>
             <a:r>
               <a:rPr lang="en-US" sz="2000" dirty="0" smtClean="0"/>
-              <a:t> </a:t>
-            </a:r>
-            <a:r>
-              <a:rPr lang="en-US" sz="2000" dirty="0" smtClean="0"/>
-              <a:t>for windows</a:t>
+              <a:t> for windows</a:t>
             </a:r>
             <a:endParaRPr lang="ru-RU" sz="2000" dirty="0" smtClean="0"/>
           </a:p>
@@ -12220,11 +12156,7 @@
             </a:r>
             <a:r>
               <a:rPr lang="en-US" sz="2400" i="1" dirty="0" smtClean="0"/>
-              <a:t> (</a:t>
-            </a:r>
-            <a:r>
-              <a:rPr lang="en-US" sz="2400" i="1" dirty="0" smtClean="0"/>
-              <a:t>repository)</a:t>
+              <a:t> (repository)</a:t>
             </a:r>
             <a:r>
               <a:rPr lang="ru-RU" sz="2400" i="1" dirty="0" smtClean="0"/>
@@ -12232,11 +12164,7 @@
             </a:r>
             <a:r>
               <a:rPr lang="ru-RU" sz="2400" dirty="0" smtClean="0"/>
-              <a:t> </a:t>
-            </a:r>
-            <a:r>
-              <a:rPr lang="ru-RU" sz="2400" dirty="0" smtClean="0"/>
-              <a:t>У каждого </a:t>
+              <a:t> У каждого </a:t>
             </a:r>
             <a:r>
               <a:rPr lang="ru-RU" sz="2400" dirty="0" err="1" smtClean="0"/>
@@ -13316,15 +13244,7 @@
             </a:r>
             <a:r>
               <a:rPr lang="ru-RU" sz="2400" dirty="0" smtClean="0"/>
-              <a:t>создает в нем</a:t>
-            </a:r>
-            <a:r>
-              <a:rPr lang="ru-RU" sz="2400" dirty="0" smtClean="0"/>
-              <a:t> </a:t>
-            </a:r>
-            <a:r>
-              <a:rPr lang="ru-RU" sz="2400" dirty="0" smtClean="0"/>
-              <a:t>скрытую папку </a:t>
+              <a:t>создает в нем скрытую папку </a:t>
             </a:r>
             <a:r>
               <a:rPr lang="en-US" sz="2400" dirty="0" smtClean="0"/>
@@ -13696,17 +13616,12 @@
             </a:r>
             <a:r>
               <a:rPr lang="en-US" sz="2000" i="1" dirty="0" smtClean="0"/>
-              <a:t> (</a:t>
-            </a:r>
-            <a:r>
-              <a:rPr lang="en-US" sz="2000" i="1" dirty="0" smtClean="0"/>
-              <a:t>commit)</a:t>
+              <a:t> (commit)</a:t>
             </a:r>
             <a:r>
               <a:rPr lang="ru-RU" sz="2000" i="1" dirty="0" smtClean="0"/>
               <a:t>. </a:t>
             </a:r>
-            <a:endParaRPr lang="ru-RU" sz="2000" i="1" dirty="0" smtClean="0"/>
           </a:p>
           <a:p>
             <a:endParaRPr lang="ru-RU" sz="2000" i="1" dirty="0" smtClean="0"/>
@@ -13782,7 +13697,6 @@
               <a:rPr lang="ru-RU" sz="2000" dirty="0" smtClean="0"/>
               <a:t> необходимо снабдить комментарием. </a:t>
             </a:r>
-            <a:endParaRPr lang="ru-RU" sz="2000" dirty="0" smtClean="0"/>
           </a:p>
           <a:p>
             <a:pPr marL="0" indent="0">
@@ -13790,11 +13704,7 @@
             </a:pPr>
             <a:r>
               <a:rPr lang="ru-RU" sz="2000" b="1" dirty="0" smtClean="0"/>
-              <a:t>Комментарий </a:t>
-            </a:r>
-            <a:r>
-              <a:rPr lang="ru-RU" sz="2000" b="1" dirty="0" smtClean="0"/>
-              <a:t>должен отражать смысл изменений так, чтобы </a:t>
+              <a:t>Комментарий должен отражать смысл изменений так, чтобы </a:t>
             </a:r>
             <a:r>
               <a:rPr lang="ru-RU" sz="2000" b="1" i="1" dirty="0" smtClean="0"/>
@@ -14479,7 +14389,6 @@
               <a:rPr lang="ru-RU" sz="2400" dirty="0" smtClean="0"/>
               <a:t>«аргумент теперь подсвечивается»</a:t>
             </a:r>
-            <a:endParaRPr lang="ru-RU" sz="2400" dirty="0" smtClean="0"/>
           </a:p>
         </p:txBody>
       </p:sp>
@@ -17946,11 +17855,7 @@
             </a:r>
             <a:r>
               <a:rPr lang="ru-RU" sz="2400" dirty="0" smtClean="0"/>
-              <a:t>, </a:t>
-            </a:r>
-            <a:r>
-              <a:rPr lang="ru-RU" sz="2400" dirty="0" smtClean="0"/>
-              <a:t>нужно в файл </a:t>
+              <a:t>, нужно в файл </a:t>
             </a:r>
             <a:r>
               <a:rPr lang="en-US" sz="2400" dirty="0" smtClean="0"/>
@@ -19634,16 +19539,29 @@
             </a:r>
             <a:r>
               <a:rPr lang="en-US" sz="2400" dirty="0" smtClean="0"/>
-              <a:t> remote add &lt;</a:t>
-            </a:r>
-            <a:r>
-              <a:rPr lang="en-US" sz="2400" dirty="0" err="1" smtClean="0"/>
+              <a:t> remote add </a:t>
+            </a:r>
+            <a:r>
+              <a:rPr lang="en-US" sz="2400" dirty="0" smtClean="0"/>
+              <a:t>&lt;</a:t>
+            </a:r>
+            <a:r>
+              <a:rPr lang="en-US" sz="2400" dirty="0" smtClean="0"/>
+              <a:t>name</a:t>
+            </a:r>
+            <a:r>
+              <a:rPr lang="en-US" sz="2400" dirty="0"/>
+              <a:t>&gt; &lt;</a:t>
+            </a:r>
+            <a:r>
+              <a:rPr lang="en-US" sz="2400" dirty="0" err="1"/>
               <a:t>url</a:t>
             </a:r>
             <a:r>
-              <a:rPr lang="en-US" sz="2400" dirty="0" smtClean="0"/>
-              <a:t>&gt; &lt;name&gt;</a:t>
-            </a:r>
+              <a:rPr lang="en-US" sz="2400"/>
+              <a:t>&gt;</a:t>
+            </a:r>
+            <a:endParaRPr lang="en-US" sz="2400" dirty="0" smtClean="0"/>
           </a:p>
           <a:p>
             <a:pPr lvl="1"/>
@@ -19739,11 +19657,7 @@
             </a:r>
             <a:r>
               <a:rPr lang="en-US" sz="2400" dirty="0" smtClean="0"/>
-              <a:t> </a:t>
-            </a:r>
-            <a:r>
-              <a:rPr lang="en-US" sz="2400" dirty="0" smtClean="0"/>
-              <a:t>fetch</a:t>
+              <a:t> fetch</a:t>
             </a:r>
           </a:p>
           <a:p>
@@ -20216,11 +20130,7 @@
             </a:pPr>
             <a:r>
               <a:rPr lang="ru-RU" sz="2000" dirty="0" smtClean="0"/>
-              <a:t>Каждая </a:t>
-            </a:r>
-            <a:r>
-              <a:rPr lang="ru-RU" sz="2000" dirty="0" smtClean="0"/>
-              <a:t>ветка должна иметь имя; ветки без имен удаляются сборщиком мусора.</a:t>
+              <a:t>Каждая ветка должна иметь имя; ветки без имен удаляются сборщиком мусора.</a:t>
             </a:r>
             <a:r>
               <a:rPr lang="en-US" sz="2000" dirty="0" smtClean="0"/>
@@ -21531,11 +21441,7 @@
           <a:p>
             <a:r>
               <a:rPr lang="ru-RU" sz="2400" dirty="0" smtClean="0"/>
-              <a:t>Польза оправдывает сложность</a:t>
-            </a:r>
-            <a:r>
-              <a:rPr lang="ru-RU" sz="2400" dirty="0" smtClean="0"/>
-              <a:t>.</a:t>
+              <a:t>Польза оправдывает сложность.</a:t>
             </a:r>
           </a:p>
           <a:p>
@@ -21557,11 +21463,7 @@
             </a:r>
             <a:r>
               <a:rPr lang="ru-RU" sz="2400" dirty="0" smtClean="0"/>
-              <a:t>очень популярен, мануалов и статьей написано огромное количество; на все вопросы уже есть ответы</a:t>
-            </a:r>
-            <a:r>
-              <a:rPr lang="ru-RU" sz="2400" dirty="0" smtClean="0"/>
-              <a:t>.</a:t>
+              <a:t>очень популярен, мануалов и статьей написано огромное количество; на все вопросы уже есть ответы.</a:t>
             </a:r>
           </a:p>
           <a:p>
@@ -22215,13 +22117,8 @@
             </a:pPr>
             <a:r>
               <a:rPr lang="ru-RU" sz="2400" dirty="0" smtClean="0"/>
-              <a:t>Логин – какой вам </a:t>
-            </a:r>
-            <a:r>
-              <a:rPr lang="ru-RU" sz="2400" dirty="0" smtClean="0"/>
-              <a:t>хочется.</a:t>
-            </a:r>
-            <a:endParaRPr lang="ru-RU" sz="2400" dirty="0" smtClean="0"/>
+              <a:t>Логин – какой вам хочется.</a:t>
+            </a:r>
           </a:p>
           <a:p>
             <a:pPr marL="0" indent="0">
@@ -22879,11 +22776,7 @@
             </a:r>
             <a:r>
               <a:rPr lang="en-US" sz="2000" dirty="0"/>
-              <a:t> clone </a:t>
-            </a:r>
-            <a:r>
-              <a:rPr lang="en-US" sz="2000" dirty="0"/>
-              <a:t>&lt;</a:t>
+              <a:t> clone &lt;</a:t>
             </a:r>
             <a:r>
               <a:rPr lang="en-US" sz="2000" dirty="0" err="1" smtClean="0"/>
@@ -23518,17 +23411,7 @@
                   </a:schemeClr>
                 </a:solidFill>
               </a:rPr>
-              <a:t>возможно, еще </a:t>
-            </a:r>
-            <a:r>
-              <a:rPr lang="ru-RU" dirty="0" smtClean="0">
-                <a:solidFill>
-                  <a:schemeClr val="bg1">
-                    <a:lumMod val="75000"/>
-                  </a:schemeClr>
-                </a:solidFill>
-              </a:rPr>
-              <a:t>что-нибудь</a:t>
+              <a:t>возможно, еще что-нибудь</a:t>
             </a:r>
           </a:p>
           <a:p>
@@ -23554,7 +23437,6 @@
               <a:rPr lang="ru-RU" dirty="0" smtClean="0"/>
               <a:t> посмотреть, почему.</a:t>
             </a:r>
-            <a:endParaRPr lang="ru-RU" dirty="0" smtClean="0"/>
           </a:p>
           <a:p>
             <a:pPr lvl="1"/>
@@ -23588,13 +23470,8 @@
             </a:r>
             <a:r>
               <a:rPr lang="ru-RU" dirty="0" smtClean="0"/>
-              <a:t>одобрен, значит задание принято</a:t>
-            </a:r>
-            <a:r>
-              <a:rPr lang="ru-RU" dirty="0" smtClean="0"/>
-              <a:t>.</a:t>
-            </a:r>
-            <a:endParaRPr lang="ru-RU" dirty="0" smtClean="0"/>
+              <a:t>одобрен, значит задание принято.</a:t>
+            </a:r>
           </a:p>
         </p:txBody>
       </p:sp>
@@ -24132,7 +24009,6 @@
               <a:rPr lang="ru-RU" sz="2400" dirty="0" smtClean="0"/>
               <a:t> </a:t>
             </a:r>
-            <a:endParaRPr lang="ru-RU" sz="2400" dirty="0" smtClean="0"/>
           </a:p>
           <a:p>
             <a:pPr marL="0" indent="0">
@@ -24156,7 +24032,6 @@
               <a:rPr lang="ru-RU" sz="2400" dirty="0" smtClean="0"/>
               <a:t> его не будет видно, пока я не дам вам к нему доступ.</a:t>
             </a:r>
-            <a:endParaRPr lang="ru-RU" sz="2400" dirty="0" smtClean="0"/>
           </a:p>
           <a:p>
             <a:pPr marL="0" indent="0">
